--- a/actividad sumativa3.pptx
+++ b/actividad sumativa3.pptx
@@ -5,7 +5,7 @@
     <p:sldMasterId id="2147483708" r:id="rId1"/>
   </p:sldMasterIdLst>
   <p:notesMasterIdLst>
-    <p:notesMasterId r:id="rId9"/>
+    <p:notesMasterId r:id="rId10"/>
   </p:notesMasterIdLst>
   <p:sldIdLst>
     <p:sldId id="256" r:id="rId2"/>
@@ -15,6 +15,7 @@
     <p:sldId id="260" r:id="rId6"/>
     <p:sldId id="261" r:id="rId7"/>
     <p:sldId id="262" r:id="rId8"/>
+    <p:sldId id="263" r:id="rId9"/>
   </p:sldIdLst>
   <p:sldSz cx="12192000" cy="6858000"/>
   <p:notesSz cx="6858000" cy="9144000"/>
@@ -113,6 +114,11 @@
       </a:defRPr>
     </a:lvl9pPr>
   </p:defaultTextStyle>
+  <p:extLst>
+    <p:ext uri="{EFAFB233-063F-42B5-8137-9DF3F51BA10A}">
+      <p15:sldGuideLst xmlns:p15="http://schemas.microsoft.com/office/powerpoint/2012/main"/>
+    </p:ext>
+  </p:extLst>
 </p:presentation>
 </file>
 
@@ -198,7 +204,7 @@
           <a:p>
             <a:fld id="{CA91D5B8-AC51-48C7-985F-F71CF7A9946A}" type="datetimeFigureOut">
               <a:rPr lang="es-CL" smtClean="0"/>
-              <a:t>28-06-2021</a:t>
+              <a:t>29-06-2021</a:t>
             </a:fld>
             <a:endParaRPr lang="es-CL"/>
           </a:p>
@@ -635,7 +641,7 @@
           <a:p>
             <a:fld id="{2BAC3CA6-9DD5-460D-9232-F2F0699226BB}" type="datetime1">
               <a:rPr lang="es-CL" smtClean="0"/>
-              <a:t>28-06-2021</a:t>
+              <a:t>29-06-2021</a:t>
             </a:fld>
             <a:endParaRPr lang="es-CL"/>
           </a:p>
@@ -965,7 +971,7 @@
           <a:p>
             <a:fld id="{4CE469ED-EB52-40FE-8D39-C05C2229552A}" type="datetime1">
               <a:rPr lang="es-CL" smtClean="0"/>
-              <a:t>28-06-2021</a:t>
+              <a:t>29-06-2021</a:t>
             </a:fld>
             <a:endParaRPr lang="es-CL"/>
           </a:p>
@@ -1145,7 +1151,7 @@
           <a:p>
             <a:fld id="{CF19DFB5-DDD5-422E-AAF5-E822F337CD2E}" type="datetime1">
               <a:rPr lang="es-CL" smtClean="0"/>
-              <a:t>28-06-2021</a:t>
+              <a:t>29-06-2021</a:t>
             </a:fld>
             <a:endParaRPr lang="es-CL"/>
           </a:p>
@@ -1315,7 +1321,7 @@
           <a:p>
             <a:fld id="{0244094D-FBCD-4BD4-8387-573CEBFF2753}" type="datetime1">
               <a:rPr lang="es-CL" smtClean="0"/>
-              <a:t>28-06-2021</a:t>
+              <a:t>29-06-2021</a:t>
             </a:fld>
             <a:endParaRPr lang="es-CL"/>
           </a:p>
@@ -1592,7 +1598,7 @@
           <a:p>
             <a:fld id="{D3FF13F9-079D-4A8B-95C1-0DE1B664B6A0}" type="datetime1">
               <a:rPr lang="es-CL" smtClean="0"/>
-              <a:t>28-06-2021</a:t>
+              <a:t>29-06-2021</a:t>
             </a:fld>
             <a:endParaRPr lang="es-CL"/>
           </a:p>
@@ -1986,7 +1992,7 @@
           <a:p>
             <a:fld id="{B413A127-D3B5-4F6F-AC45-F787C0055656}" type="datetime1">
               <a:rPr lang="es-CL" smtClean="0"/>
-              <a:t>28-06-2021</a:t>
+              <a:t>29-06-2021</a:t>
             </a:fld>
             <a:endParaRPr lang="es-CL"/>
           </a:p>
@@ -2463,7 +2469,7 @@
           <a:p>
             <a:fld id="{F36F620D-81C1-4CDF-A64E-4B0347716C1A}" type="datetime1">
               <a:rPr lang="es-CL" smtClean="0"/>
-              <a:t>28-06-2021</a:t>
+              <a:t>29-06-2021</a:t>
             </a:fld>
             <a:endParaRPr lang="es-CL"/>
           </a:p>
@@ -2581,7 +2587,7 @@
           <a:p>
             <a:fld id="{1C35CBED-4167-4149-9295-7E671555D39F}" type="datetime1">
               <a:rPr lang="es-CL" smtClean="0"/>
-              <a:t>28-06-2021</a:t>
+              <a:t>29-06-2021</a:t>
             </a:fld>
             <a:endParaRPr lang="es-CL"/>
           </a:p>
@@ -2676,7 +2682,7 @@
           <a:p>
             <a:fld id="{8161298A-FA76-4DFB-AB39-6BB9CB5AC41C}" type="datetime1">
               <a:rPr lang="es-CL" smtClean="0"/>
-              <a:t>28-06-2021</a:t>
+              <a:t>29-06-2021</a:t>
             </a:fld>
             <a:endParaRPr lang="es-CL"/>
           </a:p>
@@ -3022,7 +3028,7 @@
           <a:p>
             <a:fld id="{9D7C4AB0-C9B6-4218-BC2B-99B4F30D536A}" type="datetime1">
               <a:rPr lang="es-CL" smtClean="0"/>
-              <a:t>28-06-2021</a:t>
+              <a:t>29-06-2021</a:t>
             </a:fld>
             <a:endParaRPr lang="es-CL"/>
           </a:p>
@@ -3410,7 +3416,7 @@
           <a:p>
             <a:fld id="{7E575FF1-977E-4BAB-BC69-11FD802F9CC5}" type="datetime1">
               <a:rPr lang="es-CL" smtClean="0"/>
-              <a:t>28-06-2021</a:t>
+              <a:t>29-06-2021</a:t>
             </a:fld>
             <a:endParaRPr lang="es-CL"/>
           </a:p>
@@ -3688,7 +3694,7 @@
           <a:p>
             <a:fld id="{A1D29529-B22C-41F2-852B-DF624B87B945}" type="datetime1">
               <a:rPr lang="es-CL" smtClean="0"/>
-              <a:t>28-06-2021</a:t>
+              <a:t>29-06-2021</a:t>
             </a:fld>
             <a:endParaRPr lang="es-CL"/>
           </a:p>
@@ -4363,14 +4369,14 @@
             <p:ph idx="1"/>
             <p:extLst>
               <p:ext uri="{D42A27DB-BD31-4B8C-83A1-F6EECF244321}">
-                <p14:modId xmlns:p14="http://schemas.microsoft.com/office/powerpoint/2010/main" val="2057848386"/>
+                <p14:modId xmlns:p14="http://schemas.microsoft.com/office/powerpoint/2010/main" val="2461513454"/>
               </p:ext>
             </p:extLst>
           </p:nvPr>
         </p:nvGraphicFramePr>
         <p:xfrm>
           <a:off x="1371600" y="2286000"/>
-          <a:ext cx="9601200" cy="2966720"/>
+          <a:ext cx="9601200" cy="3235960"/>
         </p:xfrm>
         <a:graphic>
           <a:graphicData uri="http://schemas.openxmlformats.org/drawingml/2006/table">
@@ -4439,7 +4445,7 @@
                         <a:buAutoNum type="arabicPeriod"/>
                       </a:pPr>
                       <a:r>
-                        <a:rPr lang="es-ES" dirty="0" err="1"/>
+                        <a:rPr lang="es-ES" dirty="0"/>
                         <a:t>Login</a:t>
                       </a:r>
                       <a:endParaRPr lang="es-CL" dirty="0"/>
@@ -4453,7 +4459,7 @@
                     <a:lstStyle/>
                     <a:p>
                       <a:r>
-                        <a:rPr lang="es-ES" dirty="0" err="1"/>
+                        <a:rPr lang="es-ES" dirty="0"/>
                         <a:t>Login</a:t>
                       </a:r>
                       <a:endParaRPr lang="es-CL" dirty="0"/>
@@ -4545,7 +4551,7 @@
                     <a:p>
                       <a:r>
                         <a:rPr lang="es-ES" dirty="0"/>
-                        <a:t>4. Pago</a:t>
+                        <a:t>4. Orden de despacho</a:t>
                       </a:r>
                       <a:endParaRPr lang="es-CL" dirty="0"/>
                     </a:p>
@@ -4559,7 +4565,7 @@
                     <a:p>
                       <a:r>
                         <a:rPr lang="es-ES" dirty="0"/>
-                        <a:t>Pago </a:t>
+                        <a:t>Despacho a domicilio </a:t>
                       </a:r>
                       <a:endParaRPr lang="es-CL" dirty="0"/>
                     </a:p>
@@ -5056,6 +5062,14 @@
 <file path=ppt/slides/slide4.xml><?xml version="1.0" encoding="utf-8"?>
 <p:sld xmlns:a="http://schemas.openxmlformats.org/drawingml/2006/main" xmlns:r="http://schemas.openxmlformats.org/officeDocument/2006/relationships" xmlns:p="http://schemas.openxmlformats.org/presentationml/2006/main">
   <p:cSld>
+    <p:bg>
+      <p:bgPr>
+        <a:solidFill>
+          <a:schemeClr val="bg2"/>
+        </a:solidFill>
+        <a:effectLst/>
+      </p:bgPr>
+    </p:bg>
     <p:spTree>
       <p:nvGrpSpPr>
         <p:cNvPr id="1" name=""/>
@@ -5086,40 +5100,22 @@
             <p:ph type="title"/>
           </p:nvPr>
         </p:nvSpPr>
-        <p:spPr/>
-        <p:txBody>
-          <a:bodyPr/>
+        <p:spPr>
+          <a:xfrm>
+            <a:off x="1371600" y="685800"/>
+            <a:ext cx="9601200" cy="1485900"/>
+          </a:xfrm>
+        </p:spPr>
+        <p:txBody>
+          <a:bodyPr>
+            <a:normAutofit/>
+          </a:bodyPr>
           <a:lstStyle/>
           <a:p>
             <a:r>
-              <a:rPr lang="es-ES" dirty="0"/>
+              <a:rPr lang="es-ES"/>
               <a:t>Historias de usuarios</a:t>
             </a:r>
-            <a:endParaRPr lang="es-CL" dirty="0"/>
-          </a:p>
-        </p:txBody>
-      </p:sp>
-      <p:sp>
-        <p:nvSpPr>
-          <p:cNvPr id="3" name="Marcador de contenido 2">
-            <a:extLst>
-              <a:ext uri="{FF2B5EF4-FFF2-40B4-BE49-F238E27FC236}">
-                <a16:creationId xmlns:a16="http://schemas.microsoft.com/office/drawing/2014/main" id="{9DF41843-8712-4B17-8918-CD1421BC328B}"/>
-              </a:ext>
-            </a:extLst>
-          </p:cNvPr>
-          <p:cNvSpPr>
-            <a:spLocks noGrp="1"/>
-          </p:cNvSpPr>
-          <p:nvPr>
-            <p:ph idx="1"/>
-          </p:nvPr>
-        </p:nvSpPr>
-        <p:spPr/>
-        <p:txBody>
-          <a:bodyPr/>
-          <a:lstStyle/>
-          <a:p>
             <a:endParaRPr lang="es-CL"/>
           </a:p>
         </p:txBody>
@@ -5140,19 +5136,369 @@
             <p:ph type="sldNum" sz="quarter" idx="12"/>
           </p:nvPr>
         </p:nvSpPr>
-        <p:spPr/>
-        <p:txBody>
-          <a:bodyPr/>
+        <p:spPr>
+          <a:xfrm>
+            <a:off x="9472736" y="6453386"/>
+            <a:ext cx="1596292" cy="404614"/>
+          </a:xfrm>
+        </p:spPr>
+        <p:txBody>
+          <a:bodyPr>
+            <a:normAutofit/>
+          </a:bodyPr>
           <a:lstStyle/>
           <a:p>
+            <a:pPr>
+              <a:spcAft>
+                <a:spcPts val="600"/>
+              </a:spcAft>
+            </a:pPr>
             <a:fld id="{8A3F7A52-FBFB-4203-8D53-2E1940E4E04D}" type="slidenum">
               <a:rPr lang="es-CL" smtClean="0"/>
+              <a:pPr>
+                <a:spcAft>
+                  <a:spcPts val="600"/>
+                </a:spcAft>
+              </a:pPr>
               <a:t>4</a:t>
             </a:fld>
             <a:endParaRPr lang="es-CL"/>
           </a:p>
         </p:txBody>
       </p:sp>
+      <p:graphicFrame>
+        <p:nvGraphicFramePr>
+          <p:cNvPr id="28" name="Tabla 6">
+            <a:extLst>
+              <a:ext uri="{FF2B5EF4-FFF2-40B4-BE49-F238E27FC236}">
+                <a16:creationId xmlns:a16="http://schemas.microsoft.com/office/drawing/2014/main" id="{20DCEC44-EFBB-48EF-BF76-FB053706FE1A}"/>
+              </a:ext>
+            </a:extLst>
+          </p:cNvPr>
+          <p:cNvGraphicFramePr>
+            <a:graphicFrameLocks noGrp="1"/>
+          </p:cNvGraphicFramePr>
+          <p:nvPr>
+            <p:ph idx="1"/>
+            <p:extLst>
+              <p:ext uri="{D42A27DB-BD31-4B8C-83A1-F6EECF244321}">
+                <p14:modId xmlns:p14="http://schemas.microsoft.com/office/powerpoint/2010/main" val="3905213917"/>
+              </p:ext>
+            </p:extLst>
+          </p:nvPr>
+        </p:nvGraphicFramePr>
+        <p:xfrm>
+          <a:off x="1384574" y="1428750"/>
+          <a:ext cx="9575251" cy="4667484"/>
+        </p:xfrm>
+        <a:graphic>
+          <a:graphicData uri="http://schemas.openxmlformats.org/drawingml/2006/table">
+            <a:tbl>
+              <a:tblPr firstRow="1" bandRow="1">
+                <a:tableStyleId>{073A0DAA-6AF3-43AB-8588-CEC1D06C72B9}</a:tableStyleId>
+              </a:tblPr>
+              <a:tblGrid>
+                <a:gridCol w="2710326">
+                  <a:extLst>
+                    <a:ext uri="{9D8B030D-6E8A-4147-A177-3AD203B41FA5}">
+                      <a16:colId xmlns:a16="http://schemas.microsoft.com/office/drawing/2014/main" val="917560729"/>
+                    </a:ext>
+                  </a:extLst>
+                </a:gridCol>
+                <a:gridCol w="6864925">
+                  <a:extLst>
+                    <a:ext uri="{9D8B030D-6E8A-4147-A177-3AD203B41FA5}">
+                      <a16:colId xmlns:a16="http://schemas.microsoft.com/office/drawing/2014/main" val="799312436"/>
+                    </a:ext>
+                  </a:extLst>
+                </a:gridCol>
+              </a:tblGrid>
+              <a:tr h="352892">
+                <a:tc>
+                  <a:txBody>
+                    <a:bodyPr/>
+                    <a:lstStyle/>
+                    <a:p>
+                      <a:r>
+                        <a:rPr lang="es-CL" sz="1200"/>
+                        <a:t>Id Historia</a:t>
+                      </a:r>
+                    </a:p>
+                  </a:txBody>
+                  <a:tcPr marL="63562" marR="63562" marT="31781" marB="31781"/>
+                </a:tc>
+                <a:tc>
+                  <a:txBody>
+                    <a:bodyPr/>
+                    <a:lstStyle/>
+                    <a:p>
+                      <a:r>
+                        <a:rPr lang="es-CL" sz="1200"/>
+                        <a:t>Descripción</a:t>
+                      </a:r>
+                    </a:p>
+                  </a:txBody>
+                  <a:tcPr marL="63562" marR="63562" marT="31781" marB="31781"/>
+                </a:tc>
+                <a:extLst>
+                  <a:ext uri="{0D108BD9-81ED-4DB2-BD59-A6C34878D82A}">
+                    <a16:rowId xmlns:a16="http://schemas.microsoft.com/office/drawing/2014/main" val="1003320419"/>
+                  </a:ext>
+                </a:extLst>
+              </a:tr>
+              <a:tr h="586585">
+                <a:tc>
+                  <a:txBody>
+                    <a:bodyPr/>
+                    <a:lstStyle/>
+                    <a:p>
+                      <a:pPr marL="342900" indent="-342900">
+                        <a:buAutoNum type="arabicPeriod"/>
+                      </a:pPr>
+                      <a:r>
+                        <a:rPr lang="es-ES" sz="1800" dirty="0"/>
+                        <a:t>Login</a:t>
+                      </a:r>
+                      <a:endParaRPr lang="es-CL" sz="1800" dirty="0"/>
+                    </a:p>
+                  </a:txBody>
+                  <a:tcPr marL="63562" marR="63562" marT="31781" marB="31781"/>
+                </a:tc>
+                <a:tc>
+                  <a:txBody>
+                    <a:bodyPr/>
+                    <a:lstStyle/>
+                    <a:p>
+                      <a:r>
+                        <a:rPr lang="es-CL" sz="1600" dirty="0"/>
+                        <a:t>Como cliente deseo contar con una sesión/</a:t>
+                      </a:r>
+                      <a:r>
+                        <a:rPr lang="es-CL" sz="1600" dirty="0" err="1"/>
+                        <a:t>login</a:t>
+                      </a:r>
+                      <a:r>
+                        <a:rPr lang="es-CL" sz="1600" dirty="0"/>
+                        <a:t> a mi plataforma para que sea más confidencial y customizable mis próximas visitas a la página </a:t>
+                      </a:r>
+                    </a:p>
+                  </a:txBody>
+                  <a:tcPr marL="63562" marR="63562" marT="31781" marB="31781"/>
+                </a:tc>
+                <a:extLst>
+                  <a:ext uri="{0D108BD9-81ED-4DB2-BD59-A6C34878D82A}">
+                    <a16:rowId xmlns:a16="http://schemas.microsoft.com/office/drawing/2014/main" val="721478276"/>
+                  </a:ext>
+                </a:extLst>
+              </a:tr>
+              <a:tr h="586585">
+                <a:tc>
+                  <a:txBody>
+                    <a:bodyPr/>
+                    <a:lstStyle/>
+                    <a:p>
+                      <a:r>
+                        <a:rPr lang="es-ES" sz="1800"/>
+                        <a:t>2. Buscador</a:t>
+                      </a:r>
+                      <a:endParaRPr lang="es-CL" sz="1800"/>
+                    </a:p>
+                  </a:txBody>
+                  <a:tcPr marL="63562" marR="63562" marT="31781" marB="31781"/>
+                </a:tc>
+                <a:tc>
+                  <a:txBody>
+                    <a:bodyPr/>
+                    <a:lstStyle/>
+                    <a:p>
+                      <a:r>
+                        <a:rPr lang="es-CL" sz="1600"/>
+                        <a:t>Como cliente deseo que la página cuente con un buscador de productos para que el usuario pueda buscar lo que desee cotizar o comprar</a:t>
+                      </a:r>
+                    </a:p>
+                  </a:txBody>
+                  <a:tcPr marL="63562" marR="63562" marT="31781" marB="31781"/>
+                </a:tc>
+                <a:extLst>
+                  <a:ext uri="{0D108BD9-81ED-4DB2-BD59-A6C34878D82A}">
+                    <a16:rowId xmlns:a16="http://schemas.microsoft.com/office/drawing/2014/main" val="2104900569"/>
+                  </a:ext>
+                </a:extLst>
+              </a:tr>
+              <a:tr h="586585">
+                <a:tc>
+                  <a:txBody>
+                    <a:bodyPr/>
+                    <a:lstStyle/>
+                    <a:p>
+                      <a:r>
+                        <a:rPr lang="es-ES" sz="1800"/>
+                        <a:t>3. Carrito</a:t>
+                      </a:r>
+                      <a:endParaRPr lang="es-CL" sz="1800"/>
+                    </a:p>
+                  </a:txBody>
+                  <a:tcPr marL="63562" marR="63562" marT="31781" marB="31781"/>
+                </a:tc>
+                <a:tc>
+                  <a:txBody>
+                    <a:bodyPr/>
+                    <a:lstStyle/>
+                    <a:p>
+                      <a:r>
+                        <a:rPr lang="es-CL" sz="1600"/>
+                        <a:t>Como cliente deseo que la página cuente con un carro de compras para que el usuario pueda efectuar sus pagos y revisar que productos y su cantidad que lleva</a:t>
+                      </a:r>
+                    </a:p>
+                  </a:txBody>
+                  <a:tcPr marL="63562" marR="63562" marT="31781" marB="31781"/>
+                </a:tc>
+                <a:extLst>
+                  <a:ext uri="{0D108BD9-81ED-4DB2-BD59-A6C34878D82A}">
+                    <a16:rowId xmlns:a16="http://schemas.microsoft.com/office/drawing/2014/main" val="1188876297"/>
+                  </a:ext>
+                </a:extLst>
+              </a:tr>
+              <a:tr h="586585">
+                <a:tc>
+                  <a:txBody>
+                    <a:bodyPr/>
+                    <a:lstStyle/>
+                    <a:p>
+                      <a:r>
+                        <a:rPr lang="es-ES" sz="1800" dirty="0"/>
+                        <a:t>4. Orden de despacho</a:t>
+                      </a:r>
+                      <a:endParaRPr lang="es-CL" sz="1800" dirty="0"/>
+                    </a:p>
+                  </a:txBody>
+                  <a:tcPr marL="63562" marR="63562" marT="31781" marB="31781"/>
+                </a:tc>
+                <a:tc>
+                  <a:txBody>
+                    <a:bodyPr/>
+                    <a:lstStyle/>
+                    <a:p>
+                      <a:r>
+                        <a:rPr lang="es-CL" sz="1600" dirty="0"/>
+                        <a:t>Como cliente deseo que el usuario pueda ingresar su dirección para poder realizar el envió de el/los productos comprados</a:t>
+                      </a:r>
+                    </a:p>
+                  </a:txBody>
+                  <a:tcPr marL="63562" marR="63562" marT="31781" marB="31781"/>
+                </a:tc>
+                <a:extLst>
+                  <a:ext uri="{0D108BD9-81ED-4DB2-BD59-A6C34878D82A}">
+                    <a16:rowId xmlns:a16="http://schemas.microsoft.com/office/drawing/2014/main" val="4107678803"/>
+                  </a:ext>
+                </a:extLst>
+              </a:tr>
+              <a:tr h="586585">
+                <a:tc>
+                  <a:txBody>
+                    <a:bodyPr/>
+                    <a:lstStyle/>
+                    <a:p>
+                      <a:r>
+                        <a:rPr lang="es-ES" sz="1800"/>
+                        <a:t>5. Productos</a:t>
+                      </a:r>
+                      <a:endParaRPr lang="es-CL" sz="1800"/>
+                    </a:p>
+                  </a:txBody>
+                  <a:tcPr marL="63562" marR="63562" marT="31781" marB="31781"/>
+                </a:tc>
+                <a:tc>
+                  <a:txBody>
+                    <a:bodyPr/>
+                    <a:lstStyle/>
+                    <a:p>
+                      <a:r>
+                        <a:rPr lang="es-CL" sz="1600" dirty="0"/>
+                        <a:t>Como cliente deseo que la página muestre una imagen del producto a la venta para que el usuario tenga vista de lo que comprara</a:t>
+                      </a:r>
+                    </a:p>
+                  </a:txBody>
+                  <a:tcPr marL="63562" marR="63562" marT="31781" marB="31781"/>
+                </a:tc>
+                <a:extLst>
+                  <a:ext uri="{0D108BD9-81ED-4DB2-BD59-A6C34878D82A}">
+                    <a16:rowId xmlns:a16="http://schemas.microsoft.com/office/drawing/2014/main" val="1243356092"/>
+                  </a:ext>
+                </a:extLst>
+              </a:tr>
+              <a:tr h="586585">
+                <a:tc>
+                  <a:txBody>
+                    <a:bodyPr/>
+                    <a:lstStyle/>
+                    <a:p>
+                      <a:r>
+                        <a:rPr lang="es-ES" sz="1800"/>
+                        <a:t>6. Validadores</a:t>
+                      </a:r>
+                      <a:endParaRPr lang="es-CL" sz="1800"/>
+                    </a:p>
+                  </a:txBody>
+                  <a:tcPr marL="63562" marR="63562" marT="31781" marB="31781"/>
+                </a:tc>
+                <a:tc>
+                  <a:txBody>
+                    <a:bodyPr/>
+                    <a:lstStyle/>
+                    <a:p>
+                      <a:r>
+                        <a:rPr lang="es-CL" sz="1600" dirty="0"/>
+                        <a:t>Como cliente deseo que la página cuente con validadores para que no se ingrese con valores desmedidos o información errónea</a:t>
+                      </a:r>
+                    </a:p>
+                  </a:txBody>
+                  <a:tcPr marL="63562" marR="63562" marT="31781" marB="31781"/>
+                </a:tc>
+                <a:extLst>
+                  <a:ext uri="{0D108BD9-81ED-4DB2-BD59-A6C34878D82A}">
+                    <a16:rowId xmlns:a16="http://schemas.microsoft.com/office/drawing/2014/main" val="3916383470"/>
+                  </a:ext>
+                </a:extLst>
+              </a:tr>
+              <a:tr h="586585">
+                <a:tc>
+                  <a:txBody>
+                    <a:bodyPr/>
+                    <a:lstStyle/>
+                    <a:p>
+                      <a:r>
+                        <a:rPr lang="es-ES" sz="1800" dirty="0"/>
+                        <a:t>7. Respaldo</a:t>
+                      </a:r>
+                      <a:endParaRPr lang="es-CL" sz="1800" dirty="0"/>
+                    </a:p>
+                  </a:txBody>
+                  <a:tcPr marL="63562" marR="63562" marT="31781" marB="31781"/>
+                </a:tc>
+                <a:tc>
+                  <a:txBody>
+                    <a:bodyPr/>
+                    <a:lstStyle/>
+                    <a:p>
+                      <a:r>
+                        <a:rPr lang="es-CL" sz="1600" dirty="0"/>
+                        <a:t>Como cliente deseo que la página cuente con un respaldo para que se tenga un control de los cambios que se agreguen en el camino.</a:t>
+                      </a:r>
+                    </a:p>
+                  </a:txBody>
+                  <a:tcPr marL="63562" marR="63562" marT="31781" marB="31781"/>
+                </a:tc>
+                <a:extLst>
+                  <a:ext uri="{0D108BD9-81ED-4DB2-BD59-A6C34878D82A}">
+                    <a16:rowId xmlns:a16="http://schemas.microsoft.com/office/drawing/2014/main" val="2432854912"/>
+                  </a:ext>
+                </a:extLst>
+              </a:tr>
+            </a:tbl>
+          </a:graphicData>
+        </a:graphic>
+      </p:graphicFrame>
     </p:spTree>
     <p:extLst>
       <p:ext uri="{BB962C8B-B14F-4D97-AF65-F5344CB8AC3E}">
@@ -5212,31 +5558,331 @@
           </a:p>
         </p:txBody>
       </p:sp>
-      <p:sp>
-        <p:nvSpPr>
-          <p:cNvPr id="3" name="Marcador de contenido 2">
+      <p:graphicFrame>
+        <p:nvGraphicFramePr>
+          <p:cNvPr id="5" name="Tabla 5">
             <a:extLst>
               <a:ext uri="{FF2B5EF4-FFF2-40B4-BE49-F238E27FC236}">
-                <a16:creationId xmlns:a16="http://schemas.microsoft.com/office/drawing/2014/main" id="{B51B7AF2-8C27-461A-8A80-3619810FB3B0}"/>
+                <a16:creationId xmlns:a16="http://schemas.microsoft.com/office/drawing/2014/main" id="{A30121BE-9C3A-446A-B66C-24D6A816D1F2}"/>
               </a:ext>
             </a:extLst>
           </p:cNvPr>
-          <p:cNvSpPr>
-            <a:spLocks noGrp="1"/>
-          </p:cNvSpPr>
+          <p:cNvGraphicFramePr>
+            <a:graphicFrameLocks noGrp="1"/>
+          </p:cNvGraphicFramePr>
           <p:nvPr>
             <p:ph idx="1"/>
-          </p:nvPr>
-        </p:nvSpPr>
-        <p:spPr/>
-        <p:txBody>
-          <a:bodyPr/>
-          <a:lstStyle/>
-          <a:p>
-            <a:endParaRPr lang="es-CL"/>
-          </a:p>
-        </p:txBody>
-      </p:sp>
+            <p:extLst>
+              <p:ext uri="{D42A27DB-BD31-4B8C-83A1-F6EECF244321}">
+                <p14:modId xmlns:p14="http://schemas.microsoft.com/office/powerpoint/2010/main" val="447337460"/>
+              </p:ext>
+            </p:extLst>
+          </p:nvPr>
+        </p:nvGraphicFramePr>
+        <p:xfrm>
+          <a:off x="1371600" y="2286000"/>
+          <a:ext cx="9601200" cy="2966720"/>
+        </p:xfrm>
+        <a:graphic>
+          <a:graphicData uri="http://schemas.openxmlformats.org/drawingml/2006/table">
+            <a:tbl>
+              <a:tblPr firstRow="1" bandRow="1">
+                <a:tableStyleId>{073A0DAA-6AF3-43AB-8588-CEC1D06C72B9}</a:tableStyleId>
+              </a:tblPr>
+              <a:tblGrid>
+                <a:gridCol w="4800600">
+                  <a:extLst>
+                    <a:ext uri="{9D8B030D-6E8A-4147-A177-3AD203B41FA5}">
+                      <a16:colId xmlns:a16="http://schemas.microsoft.com/office/drawing/2014/main" val="250764931"/>
+                    </a:ext>
+                  </a:extLst>
+                </a:gridCol>
+                <a:gridCol w="4800600">
+                  <a:extLst>
+                    <a:ext uri="{9D8B030D-6E8A-4147-A177-3AD203B41FA5}">
+                      <a16:colId xmlns:a16="http://schemas.microsoft.com/office/drawing/2014/main" val="504951130"/>
+                    </a:ext>
+                  </a:extLst>
+                </a:gridCol>
+              </a:tblGrid>
+              <a:tr h="370840">
+                <a:tc>
+                  <a:txBody>
+                    <a:bodyPr/>
+                    <a:lstStyle/>
+                    <a:p>
+                      <a:r>
+                        <a:rPr lang="es-CL" dirty="0"/>
+                        <a:t>Id historia</a:t>
+                      </a:r>
+                    </a:p>
+                  </a:txBody>
+                  <a:tcPr/>
+                </a:tc>
+                <a:tc>
+                  <a:txBody>
+                    <a:bodyPr/>
+                    <a:lstStyle/>
+                    <a:p>
+                      <a:r>
+                        <a:rPr lang="es-CL" dirty="0"/>
+                        <a:t>Prioridad</a:t>
+                      </a:r>
+                    </a:p>
+                  </a:txBody>
+                  <a:tcPr/>
+                </a:tc>
+                <a:extLst>
+                  <a:ext uri="{0D108BD9-81ED-4DB2-BD59-A6C34878D82A}">
+                    <a16:rowId xmlns:a16="http://schemas.microsoft.com/office/drawing/2014/main" val="3451599769"/>
+                  </a:ext>
+                </a:extLst>
+              </a:tr>
+              <a:tr h="370840">
+                <a:tc>
+                  <a:txBody>
+                    <a:bodyPr/>
+                    <a:lstStyle/>
+                    <a:p>
+                      <a:pPr marL="342900" indent="-342900">
+                        <a:buAutoNum type="arabicPeriod"/>
+                      </a:pPr>
+                      <a:r>
+                        <a:rPr lang="es-ES" sz="1800" dirty="0"/>
+                        <a:t>Login</a:t>
+                      </a:r>
+                      <a:endParaRPr lang="es-CL" sz="1800" dirty="0"/>
+                    </a:p>
+                  </a:txBody>
+                  <a:tcPr marL="72252" marR="72252" marT="36126" marB="36126"/>
+                </a:tc>
+                <a:tc>
+                  <a:txBody>
+                    <a:bodyPr/>
+                    <a:lstStyle/>
+                    <a:p>
+                      <a:r>
+                        <a:rPr lang="es-CL" dirty="0"/>
+                        <a:t> Alta</a:t>
+                      </a:r>
+                    </a:p>
+                  </a:txBody>
+                  <a:tcPr/>
+                </a:tc>
+                <a:extLst>
+                  <a:ext uri="{0D108BD9-81ED-4DB2-BD59-A6C34878D82A}">
+                    <a16:rowId xmlns:a16="http://schemas.microsoft.com/office/drawing/2014/main" val="2543099143"/>
+                  </a:ext>
+                </a:extLst>
+              </a:tr>
+              <a:tr h="370840">
+                <a:tc>
+                  <a:txBody>
+                    <a:bodyPr/>
+                    <a:lstStyle/>
+                    <a:p>
+                      <a:r>
+                        <a:rPr lang="es-ES" sz="1800" dirty="0"/>
+                        <a:t>2. Buscador</a:t>
+                      </a:r>
+                      <a:endParaRPr lang="es-CL" sz="1800" dirty="0"/>
+                    </a:p>
+                  </a:txBody>
+                  <a:tcPr marL="72252" marR="72252" marT="36126" marB="36126"/>
+                </a:tc>
+                <a:tc>
+                  <a:txBody>
+                    <a:bodyPr/>
+                    <a:lstStyle/>
+                    <a:p>
+                      <a:r>
+                        <a:rPr lang="es-CL" dirty="0"/>
+                        <a:t>Media</a:t>
+                      </a:r>
+                    </a:p>
+                  </a:txBody>
+                  <a:tcPr/>
+                </a:tc>
+                <a:extLst>
+                  <a:ext uri="{0D108BD9-81ED-4DB2-BD59-A6C34878D82A}">
+                    <a16:rowId xmlns:a16="http://schemas.microsoft.com/office/drawing/2014/main" val="416943791"/>
+                  </a:ext>
+                </a:extLst>
+              </a:tr>
+              <a:tr h="370840">
+                <a:tc>
+                  <a:txBody>
+                    <a:bodyPr/>
+                    <a:lstStyle/>
+                    <a:p>
+                      <a:r>
+                        <a:rPr lang="es-ES" sz="1800"/>
+                        <a:t>3. Carrito</a:t>
+                      </a:r>
+                      <a:endParaRPr lang="es-CL" sz="1800"/>
+                    </a:p>
+                  </a:txBody>
+                  <a:tcPr marL="72252" marR="72252" marT="36126" marB="36126"/>
+                </a:tc>
+                <a:tc>
+                  <a:txBody>
+                    <a:bodyPr/>
+                    <a:lstStyle/>
+                    <a:p>
+                      <a:r>
+                        <a:rPr lang="es-CL" dirty="0"/>
+                        <a:t>Media</a:t>
+                      </a:r>
+                    </a:p>
+                  </a:txBody>
+                  <a:tcPr/>
+                </a:tc>
+                <a:extLst>
+                  <a:ext uri="{0D108BD9-81ED-4DB2-BD59-A6C34878D82A}">
+                    <a16:rowId xmlns:a16="http://schemas.microsoft.com/office/drawing/2014/main" val="1435274242"/>
+                  </a:ext>
+                </a:extLst>
+              </a:tr>
+              <a:tr h="370840">
+                <a:tc>
+                  <a:txBody>
+                    <a:bodyPr/>
+                    <a:lstStyle/>
+                    <a:p>
+                      <a:r>
+                        <a:rPr lang="es-ES" sz="1800" dirty="0"/>
+                        <a:t>4. Orden de despacho</a:t>
+                      </a:r>
+                      <a:endParaRPr lang="es-CL" sz="1800" dirty="0"/>
+                    </a:p>
+                  </a:txBody>
+                  <a:tcPr marL="72252" marR="72252" marT="36126" marB="36126"/>
+                </a:tc>
+                <a:tc>
+                  <a:txBody>
+                    <a:bodyPr/>
+                    <a:lstStyle/>
+                    <a:p>
+                      <a:r>
+                        <a:rPr lang="es-CL" dirty="0"/>
+                        <a:t>Alta</a:t>
+                      </a:r>
+                    </a:p>
+                  </a:txBody>
+                  <a:tcPr/>
+                </a:tc>
+                <a:extLst>
+                  <a:ext uri="{0D108BD9-81ED-4DB2-BD59-A6C34878D82A}">
+                    <a16:rowId xmlns:a16="http://schemas.microsoft.com/office/drawing/2014/main" val="1559908824"/>
+                  </a:ext>
+                </a:extLst>
+              </a:tr>
+              <a:tr h="370840">
+                <a:tc>
+                  <a:txBody>
+                    <a:bodyPr/>
+                    <a:lstStyle/>
+                    <a:p>
+                      <a:r>
+                        <a:rPr lang="es-ES" sz="1800"/>
+                        <a:t>5. Productos</a:t>
+                      </a:r>
+                      <a:endParaRPr lang="es-CL" sz="1800"/>
+                    </a:p>
+                  </a:txBody>
+                  <a:tcPr marL="72252" marR="72252" marT="36126" marB="36126"/>
+                </a:tc>
+                <a:tc>
+                  <a:txBody>
+                    <a:bodyPr/>
+                    <a:lstStyle/>
+                    <a:p>
+                      <a:r>
+                        <a:rPr lang="es-CL" dirty="0"/>
+                        <a:t>Baja</a:t>
+                      </a:r>
+                    </a:p>
+                  </a:txBody>
+                  <a:tcPr/>
+                </a:tc>
+                <a:extLst>
+                  <a:ext uri="{0D108BD9-81ED-4DB2-BD59-A6C34878D82A}">
+                    <a16:rowId xmlns:a16="http://schemas.microsoft.com/office/drawing/2014/main" val="2919281336"/>
+                  </a:ext>
+                </a:extLst>
+              </a:tr>
+              <a:tr h="370840">
+                <a:tc>
+                  <a:txBody>
+                    <a:bodyPr/>
+                    <a:lstStyle/>
+                    <a:p>
+                      <a:r>
+                        <a:rPr lang="es-ES" sz="1800"/>
+                        <a:t>6. Validadores</a:t>
+                      </a:r>
+                      <a:endParaRPr lang="es-CL" sz="1800"/>
+                    </a:p>
+                  </a:txBody>
+                  <a:tcPr marL="72252" marR="72252" marT="36126" marB="36126"/>
+                </a:tc>
+                <a:tc>
+                  <a:txBody>
+                    <a:bodyPr/>
+                    <a:lstStyle/>
+                    <a:p>
+                      <a:r>
+                        <a:rPr lang="es-CL" dirty="0"/>
+                        <a:t>Media</a:t>
+                      </a:r>
+                    </a:p>
+                  </a:txBody>
+                  <a:tcPr/>
+                </a:tc>
+                <a:extLst>
+                  <a:ext uri="{0D108BD9-81ED-4DB2-BD59-A6C34878D82A}">
+                    <a16:rowId xmlns:a16="http://schemas.microsoft.com/office/drawing/2014/main" val="3001400604"/>
+                  </a:ext>
+                </a:extLst>
+              </a:tr>
+              <a:tr h="370840">
+                <a:tc>
+                  <a:txBody>
+                    <a:bodyPr/>
+                    <a:lstStyle/>
+                    <a:p>
+                      <a:r>
+                        <a:rPr lang="es-ES" sz="1800" dirty="0"/>
+                        <a:t>7. Respaldo</a:t>
+                      </a:r>
+                      <a:endParaRPr lang="es-CL" sz="1800" dirty="0"/>
+                    </a:p>
+                  </a:txBody>
+                  <a:tcPr marL="72252" marR="72252" marT="36126" marB="36126"/>
+                </a:tc>
+                <a:tc>
+                  <a:txBody>
+                    <a:bodyPr/>
+                    <a:lstStyle/>
+                    <a:p>
+                      <a:r>
+                        <a:rPr lang="es-CL" dirty="0"/>
+                        <a:t>Alta</a:t>
+                      </a:r>
+                    </a:p>
+                  </a:txBody>
+                  <a:tcPr/>
+                </a:tc>
+                <a:extLst>
+                  <a:ext uri="{0D108BD9-81ED-4DB2-BD59-A6C34878D82A}">
+                    <a16:rowId xmlns:a16="http://schemas.microsoft.com/office/drawing/2014/main" val="1052637188"/>
+                  </a:ext>
+                </a:extLst>
+              </a:tr>
+            </a:tbl>
+          </a:graphicData>
+        </a:graphic>
+      </p:graphicFrame>
       <p:sp>
         <p:nvSpPr>
           <p:cNvPr id="4" name="Marcador de número de diapositiva 3">
@@ -5329,31 +5975,331 @@
           </a:p>
         </p:txBody>
       </p:sp>
-      <p:sp>
-        <p:nvSpPr>
-          <p:cNvPr id="3" name="Marcador de contenido 2">
+      <p:graphicFrame>
+        <p:nvGraphicFramePr>
+          <p:cNvPr id="5" name="Marcador de contenido 4">
             <a:extLst>
               <a:ext uri="{FF2B5EF4-FFF2-40B4-BE49-F238E27FC236}">
-                <a16:creationId xmlns:a16="http://schemas.microsoft.com/office/drawing/2014/main" id="{BF3E712B-DC84-48E4-B5C4-4D53A7830F73}"/>
+                <a16:creationId xmlns:a16="http://schemas.microsoft.com/office/drawing/2014/main" id="{FDCAE921-FF94-4076-B1C5-E410971659C8}"/>
               </a:ext>
             </a:extLst>
           </p:cNvPr>
-          <p:cNvSpPr>
-            <a:spLocks noGrp="1"/>
-          </p:cNvSpPr>
+          <p:cNvGraphicFramePr>
+            <a:graphicFrameLocks noGrp="1"/>
+          </p:cNvGraphicFramePr>
           <p:nvPr>
             <p:ph idx="1"/>
-          </p:nvPr>
-        </p:nvSpPr>
-        <p:spPr/>
-        <p:txBody>
-          <a:bodyPr/>
-          <a:lstStyle/>
-          <a:p>
-            <a:endParaRPr lang="es-CL" dirty="0"/>
-          </a:p>
-        </p:txBody>
-      </p:sp>
+            <p:extLst>
+              <p:ext uri="{D42A27DB-BD31-4B8C-83A1-F6EECF244321}">
+                <p14:modId xmlns:p14="http://schemas.microsoft.com/office/powerpoint/2010/main" val="1641848468"/>
+              </p:ext>
+            </p:extLst>
+          </p:nvPr>
+        </p:nvGraphicFramePr>
+        <p:xfrm>
+          <a:off x="6172200" y="1719581"/>
+          <a:ext cx="5054886" cy="2966720"/>
+        </p:xfrm>
+        <a:graphic>
+          <a:graphicData uri="http://schemas.openxmlformats.org/drawingml/2006/table">
+            <a:tbl>
+              <a:tblPr firstRow="1" bandRow="1">
+                <a:tableStyleId>{073A0DAA-6AF3-43AB-8588-CEC1D06C72B9}</a:tableStyleId>
+              </a:tblPr>
+              <a:tblGrid>
+                <a:gridCol w="2527443">
+                  <a:extLst>
+                    <a:ext uri="{9D8B030D-6E8A-4147-A177-3AD203B41FA5}">
+                      <a16:colId xmlns:a16="http://schemas.microsoft.com/office/drawing/2014/main" val="200054836"/>
+                    </a:ext>
+                  </a:extLst>
+                </a:gridCol>
+                <a:gridCol w="2527443">
+                  <a:extLst>
+                    <a:ext uri="{9D8B030D-6E8A-4147-A177-3AD203B41FA5}">
+                      <a16:colId xmlns:a16="http://schemas.microsoft.com/office/drawing/2014/main" val="3793898686"/>
+                    </a:ext>
+                  </a:extLst>
+                </a:gridCol>
+              </a:tblGrid>
+              <a:tr h="370840">
+                <a:tc>
+                  <a:txBody>
+                    <a:bodyPr/>
+                    <a:lstStyle/>
+                    <a:p>
+                      <a:r>
+                        <a:rPr lang="es-CL" dirty="0"/>
+                        <a:t>Id historia</a:t>
+                      </a:r>
+                    </a:p>
+                  </a:txBody>
+                  <a:tcPr/>
+                </a:tc>
+                <a:tc>
+                  <a:txBody>
+                    <a:bodyPr/>
+                    <a:lstStyle/>
+                    <a:p>
+                      <a:r>
+                        <a:rPr lang="es-CL" dirty="0"/>
+                        <a:t>Tiempo estimado</a:t>
+                      </a:r>
+                    </a:p>
+                  </a:txBody>
+                  <a:tcPr/>
+                </a:tc>
+                <a:extLst>
+                  <a:ext uri="{0D108BD9-81ED-4DB2-BD59-A6C34878D82A}">
+                    <a16:rowId xmlns:a16="http://schemas.microsoft.com/office/drawing/2014/main" val="3350194266"/>
+                  </a:ext>
+                </a:extLst>
+              </a:tr>
+              <a:tr h="370840">
+                <a:tc>
+                  <a:txBody>
+                    <a:bodyPr/>
+                    <a:lstStyle/>
+                    <a:p>
+                      <a:pPr marL="342900" indent="-342900">
+                        <a:buAutoNum type="arabicPeriod"/>
+                      </a:pPr>
+                      <a:r>
+                        <a:rPr lang="es-ES" sz="1800" dirty="0"/>
+                        <a:t>Login</a:t>
+                      </a:r>
+                      <a:endParaRPr lang="es-CL" sz="1800" dirty="0"/>
+                    </a:p>
+                  </a:txBody>
+                  <a:tcPr marL="72252" marR="72252" marT="36126" marB="36126"/>
+                </a:tc>
+                <a:tc>
+                  <a:txBody>
+                    <a:bodyPr/>
+                    <a:lstStyle/>
+                    <a:p>
+                      <a:r>
+                        <a:rPr lang="es-CL" dirty="0"/>
+                        <a:t>2 días</a:t>
+                      </a:r>
+                    </a:p>
+                  </a:txBody>
+                  <a:tcPr/>
+                </a:tc>
+                <a:extLst>
+                  <a:ext uri="{0D108BD9-81ED-4DB2-BD59-A6C34878D82A}">
+                    <a16:rowId xmlns:a16="http://schemas.microsoft.com/office/drawing/2014/main" val="2991233137"/>
+                  </a:ext>
+                </a:extLst>
+              </a:tr>
+              <a:tr h="370840">
+                <a:tc>
+                  <a:txBody>
+                    <a:bodyPr/>
+                    <a:lstStyle/>
+                    <a:p>
+                      <a:r>
+                        <a:rPr lang="es-ES" sz="1800" dirty="0"/>
+                        <a:t>2. Buscador</a:t>
+                      </a:r>
+                      <a:endParaRPr lang="es-CL" sz="1800" dirty="0"/>
+                    </a:p>
+                  </a:txBody>
+                  <a:tcPr marL="72252" marR="72252" marT="36126" marB="36126"/>
+                </a:tc>
+                <a:tc>
+                  <a:txBody>
+                    <a:bodyPr/>
+                    <a:lstStyle/>
+                    <a:p>
+                      <a:r>
+                        <a:rPr lang="es-CL" dirty="0"/>
+                        <a:t>1 día</a:t>
+                      </a:r>
+                    </a:p>
+                  </a:txBody>
+                  <a:tcPr/>
+                </a:tc>
+                <a:extLst>
+                  <a:ext uri="{0D108BD9-81ED-4DB2-BD59-A6C34878D82A}">
+                    <a16:rowId xmlns:a16="http://schemas.microsoft.com/office/drawing/2014/main" val="647870920"/>
+                  </a:ext>
+                </a:extLst>
+              </a:tr>
+              <a:tr h="370840">
+                <a:tc>
+                  <a:txBody>
+                    <a:bodyPr/>
+                    <a:lstStyle/>
+                    <a:p>
+                      <a:r>
+                        <a:rPr lang="es-ES" sz="1800"/>
+                        <a:t>3. Carrito</a:t>
+                      </a:r>
+                      <a:endParaRPr lang="es-CL" sz="1800"/>
+                    </a:p>
+                  </a:txBody>
+                  <a:tcPr marL="72252" marR="72252" marT="36126" marB="36126"/>
+                </a:tc>
+                <a:tc>
+                  <a:txBody>
+                    <a:bodyPr/>
+                    <a:lstStyle/>
+                    <a:p>
+                      <a:r>
+                        <a:rPr lang="es-CL" dirty="0"/>
+                        <a:t>2 días</a:t>
+                      </a:r>
+                    </a:p>
+                  </a:txBody>
+                  <a:tcPr/>
+                </a:tc>
+                <a:extLst>
+                  <a:ext uri="{0D108BD9-81ED-4DB2-BD59-A6C34878D82A}">
+                    <a16:rowId xmlns:a16="http://schemas.microsoft.com/office/drawing/2014/main" val="3103774814"/>
+                  </a:ext>
+                </a:extLst>
+              </a:tr>
+              <a:tr h="370840">
+                <a:tc>
+                  <a:txBody>
+                    <a:bodyPr/>
+                    <a:lstStyle/>
+                    <a:p>
+                      <a:r>
+                        <a:rPr lang="es-ES" sz="1800" dirty="0"/>
+                        <a:t>4. Orden de despacho</a:t>
+                      </a:r>
+                      <a:endParaRPr lang="es-CL" sz="1800" dirty="0"/>
+                    </a:p>
+                  </a:txBody>
+                  <a:tcPr marL="72252" marR="72252" marT="36126" marB="36126"/>
+                </a:tc>
+                <a:tc>
+                  <a:txBody>
+                    <a:bodyPr/>
+                    <a:lstStyle/>
+                    <a:p>
+                      <a:r>
+                        <a:rPr lang="es-CL" dirty="0"/>
+                        <a:t>1 día</a:t>
+                      </a:r>
+                    </a:p>
+                  </a:txBody>
+                  <a:tcPr/>
+                </a:tc>
+                <a:extLst>
+                  <a:ext uri="{0D108BD9-81ED-4DB2-BD59-A6C34878D82A}">
+                    <a16:rowId xmlns:a16="http://schemas.microsoft.com/office/drawing/2014/main" val="3050686003"/>
+                  </a:ext>
+                </a:extLst>
+              </a:tr>
+              <a:tr h="370840">
+                <a:tc>
+                  <a:txBody>
+                    <a:bodyPr/>
+                    <a:lstStyle/>
+                    <a:p>
+                      <a:r>
+                        <a:rPr lang="es-ES" sz="1800"/>
+                        <a:t>5. Productos</a:t>
+                      </a:r>
+                      <a:endParaRPr lang="es-CL" sz="1800"/>
+                    </a:p>
+                  </a:txBody>
+                  <a:tcPr marL="72252" marR="72252" marT="36126" marB="36126"/>
+                </a:tc>
+                <a:tc>
+                  <a:txBody>
+                    <a:bodyPr/>
+                    <a:lstStyle/>
+                    <a:p>
+                      <a:r>
+                        <a:rPr lang="es-CL" dirty="0"/>
+                        <a:t>3 días</a:t>
+                      </a:r>
+                    </a:p>
+                  </a:txBody>
+                  <a:tcPr/>
+                </a:tc>
+                <a:extLst>
+                  <a:ext uri="{0D108BD9-81ED-4DB2-BD59-A6C34878D82A}">
+                    <a16:rowId xmlns:a16="http://schemas.microsoft.com/office/drawing/2014/main" val="358836650"/>
+                  </a:ext>
+                </a:extLst>
+              </a:tr>
+              <a:tr h="370840">
+                <a:tc>
+                  <a:txBody>
+                    <a:bodyPr/>
+                    <a:lstStyle/>
+                    <a:p>
+                      <a:r>
+                        <a:rPr lang="es-ES" sz="1800"/>
+                        <a:t>6. Validadores</a:t>
+                      </a:r>
+                      <a:endParaRPr lang="es-CL" sz="1800"/>
+                    </a:p>
+                  </a:txBody>
+                  <a:tcPr marL="72252" marR="72252" marT="36126" marB="36126"/>
+                </a:tc>
+                <a:tc>
+                  <a:txBody>
+                    <a:bodyPr/>
+                    <a:lstStyle/>
+                    <a:p>
+                      <a:r>
+                        <a:rPr lang="es-CL" dirty="0"/>
+                        <a:t>2 días</a:t>
+                      </a:r>
+                    </a:p>
+                  </a:txBody>
+                  <a:tcPr/>
+                </a:tc>
+                <a:extLst>
+                  <a:ext uri="{0D108BD9-81ED-4DB2-BD59-A6C34878D82A}">
+                    <a16:rowId xmlns:a16="http://schemas.microsoft.com/office/drawing/2014/main" val="2745770544"/>
+                  </a:ext>
+                </a:extLst>
+              </a:tr>
+              <a:tr h="370840">
+                <a:tc>
+                  <a:txBody>
+                    <a:bodyPr/>
+                    <a:lstStyle/>
+                    <a:p>
+                      <a:r>
+                        <a:rPr lang="es-ES" sz="1800" dirty="0"/>
+                        <a:t>7. Respaldo</a:t>
+                      </a:r>
+                      <a:endParaRPr lang="es-CL" sz="1800" dirty="0"/>
+                    </a:p>
+                  </a:txBody>
+                  <a:tcPr marL="72252" marR="72252" marT="36126" marB="36126"/>
+                </a:tc>
+                <a:tc>
+                  <a:txBody>
+                    <a:bodyPr/>
+                    <a:lstStyle/>
+                    <a:p>
+                      <a:r>
+                        <a:rPr lang="es-CL" dirty="0"/>
+                        <a:t>1 día</a:t>
+                      </a:r>
+                    </a:p>
+                  </a:txBody>
+                  <a:tcPr/>
+                </a:tc>
+                <a:extLst>
+                  <a:ext uri="{0D108BD9-81ED-4DB2-BD59-A6C34878D82A}">
+                    <a16:rowId xmlns:a16="http://schemas.microsoft.com/office/drawing/2014/main" val="1514579007"/>
+                  </a:ext>
+                </a:extLst>
+              </a:tr>
+            </a:tbl>
+          </a:graphicData>
+        </a:graphic>
+      </p:graphicFrame>
       <p:sp>
         <p:nvSpPr>
           <p:cNvPr id="4" name="Marcador de número de diapositiva 3">
@@ -5383,6 +6329,89 @@
           </a:p>
         </p:txBody>
       </p:sp>
+      <p:sp>
+        <p:nvSpPr>
+          <p:cNvPr id="7" name="CuadroTexto 6">
+            <a:extLst>
+              <a:ext uri="{FF2B5EF4-FFF2-40B4-BE49-F238E27FC236}">
+                <a16:creationId xmlns:a16="http://schemas.microsoft.com/office/drawing/2014/main" id="{C25104FF-1214-4467-8349-5FE4AF28EEEF}"/>
+              </a:ext>
+            </a:extLst>
+          </p:cNvPr>
+          <p:cNvSpPr txBox="1"/>
+          <p:nvPr/>
+        </p:nvSpPr>
+        <p:spPr>
+          <a:xfrm>
+            <a:off x="1602769" y="1931542"/>
+            <a:ext cx="4027469" cy="1200329"/>
+          </a:xfrm>
+          <a:prstGeom prst="rect">
+            <a:avLst/>
+          </a:prstGeom>
+          <a:noFill/>
+        </p:spPr>
+        <p:txBody>
+          <a:bodyPr wrap="square" rtlCol="0">
+            <a:spAutoFit/>
+          </a:bodyPr>
+          <a:lstStyle/>
+          <a:p>
+            <a:r>
+              <a:rPr lang="es-CL" dirty="0"/>
+              <a:t>Duración sprint: 12 días de este sprint</a:t>
+            </a:r>
+          </a:p>
+          <a:p>
+            <a:endParaRPr lang="es-CL" dirty="0"/>
+          </a:p>
+          <a:p>
+            <a:r>
+              <a:rPr lang="es-CL" dirty="0"/>
+              <a:t>Actividades a realizar durante el sprint:</a:t>
+            </a:r>
+          </a:p>
+          <a:p>
+            <a:endParaRPr lang="es-CL" dirty="0"/>
+          </a:p>
+        </p:txBody>
+      </p:sp>
+      <p:pic>
+        <p:nvPicPr>
+          <p:cNvPr id="8" name="Imagen 7" descr="Imagen que contiene Forma&#10;&#10;Descripción generada automáticamente">
+            <a:extLst>
+              <a:ext uri="{FF2B5EF4-FFF2-40B4-BE49-F238E27FC236}">
+                <a16:creationId xmlns:a16="http://schemas.microsoft.com/office/drawing/2014/main" id="{5925CF90-5C57-49E8-A5F3-0C433951BB1A}"/>
+              </a:ext>
+            </a:extLst>
+          </p:cNvPr>
+          <p:cNvPicPr>
+            <a:picLocks noChangeAspect="1"/>
+          </p:cNvPicPr>
+          <p:nvPr/>
+        </p:nvPicPr>
+        <p:blipFill>
+          <a:blip r:embed="rId2">
+            <a:extLst>
+              <a:ext uri="{28A0092B-C50C-407E-A947-70E740481C1C}">
+                <a14:useLocalDpi xmlns:a14="http://schemas.microsoft.com/office/drawing/2010/main" val="0"/>
+              </a:ext>
+            </a:extLst>
+          </a:blip>
+          <a:stretch>
+            <a:fillRect/>
+          </a:stretch>
+        </p:blipFill>
+        <p:spPr>
+          <a:xfrm>
+            <a:off x="2555268" y="3131871"/>
+            <a:ext cx="1908208" cy="1908208"/>
+          </a:xfrm>
+          <a:prstGeom prst="rect">
+            <a:avLst/>
+          </a:prstGeom>
+        </p:spPr>
+      </p:pic>
     </p:spTree>
     <p:extLst>
       <p:ext uri="{BB962C8B-B14F-4D97-AF65-F5344CB8AC3E}">
@@ -5399,6 +6428,14 @@
 <file path=ppt/slides/slide7.xml><?xml version="1.0" encoding="utf-8"?>
 <p:sld xmlns:a="http://schemas.openxmlformats.org/drawingml/2006/main" xmlns:r="http://schemas.openxmlformats.org/officeDocument/2006/relationships" xmlns:p="http://schemas.openxmlformats.org/presentationml/2006/main">
   <p:cSld>
+    <p:bg>
+      <p:bgPr>
+        <a:solidFill>
+          <a:schemeClr val="bg2"/>
+        </a:solidFill>
+        <a:effectLst/>
+      </p:bgPr>
+    </p:bg>
     <p:spTree>
       <p:nvGrpSpPr>
         <p:cNvPr id="1" name=""/>
@@ -5429,9 +6466,16 @@
             <p:ph type="title"/>
           </p:nvPr>
         </p:nvSpPr>
-        <p:spPr/>
-        <p:txBody>
-          <a:bodyPr/>
+        <p:spPr>
+          <a:xfrm>
+            <a:off x="1371600" y="685800"/>
+            <a:ext cx="9601200" cy="1485900"/>
+          </a:xfrm>
+        </p:spPr>
+        <p:txBody>
+          <a:bodyPr>
+            <a:normAutofit/>
+          </a:bodyPr>
           <a:lstStyle/>
           <a:p>
             <a:r>
@@ -5442,31 +6486,6 @@
               <a:rPr lang="es-ES" dirty="0" err="1"/>
               <a:t>retrospective</a:t>
             </a:r>
-            <a:endParaRPr lang="es-CL" dirty="0"/>
-          </a:p>
-        </p:txBody>
-      </p:sp>
-      <p:sp>
-        <p:nvSpPr>
-          <p:cNvPr id="3" name="Marcador de contenido 2">
-            <a:extLst>
-              <a:ext uri="{FF2B5EF4-FFF2-40B4-BE49-F238E27FC236}">
-                <a16:creationId xmlns:a16="http://schemas.microsoft.com/office/drawing/2014/main" id="{E1060C24-892D-45F1-AD77-A364E091050D}"/>
-              </a:ext>
-            </a:extLst>
-          </p:cNvPr>
-          <p:cNvSpPr>
-            <a:spLocks noGrp="1"/>
-          </p:cNvSpPr>
-          <p:nvPr>
-            <p:ph idx="1"/>
-          </p:nvPr>
-        </p:nvSpPr>
-        <p:spPr/>
-        <p:txBody>
-          <a:bodyPr/>
-          <a:lstStyle/>
-          <a:p>
             <a:endParaRPr lang="es-CL" dirty="0"/>
           </a:p>
         </p:txBody>
@@ -5487,23 +6506,542 @@
             <p:ph type="sldNum" sz="quarter" idx="12"/>
           </p:nvPr>
         </p:nvSpPr>
-        <p:spPr/>
-        <p:txBody>
-          <a:bodyPr/>
+        <p:spPr>
+          <a:xfrm>
+            <a:off x="9472736" y="6453386"/>
+            <a:ext cx="1596292" cy="404614"/>
+          </a:xfrm>
+        </p:spPr>
+        <p:txBody>
+          <a:bodyPr>
+            <a:normAutofit/>
+          </a:bodyPr>
           <a:lstStyle/>
           <a:p>
+            <a:pPr>
+              <a:spcAft>
+                <a:spcPts val="600"/>
+              </a:spcAft>
+            </a:pPr>
             <a:fld id="{8A3F7A52-FBFB-4203-8D53-2E1940E4E04D}" type="slidenum">
               <a:rPr lang="es-CL" smtClean="0"/>
+              <a:pPr>
+                <a:spcAft>
+                  <a:spcPts val="600"/>
+                </a:spcAft>
+              </a:pPr>
               <a:t>7</a:t>
             </a:fld>
             <a:endParaRPr lang="es-CL"/>
           </a:p>
         </p:txBody>
       </p:sp>
+      <p:graphicFrame>
+        <p:nvGraphicFramePr>
+          <p:cNvPr id="5" name="Marcador de contenido 4">
+            <a:extLst>
+              <a:ext uri="{FF2B5EF4-FFF2-40B4-BE49-F238E27FC236}">
+                <a16:creationId xmlns:a16="http://schemas.microsoft.com/office/drawing/2014/main" id="{BB233739-198F-4708-A93E-C84B9EDAEFB8}"/>
+              </a:ext>
+            </a:extLst>
+          </p:cNvPr>
+          <p:cNvGraphicFramePr>
+            <a:graphicFrameLocks noGrp="1"/>
+          </p:cNvGraphicFramePr>
+          <p:nvPr>
+            <p:ph idx="1"/>
+            <p:extLst>
+              <p:ext uri="{D42A27DB-BD31-4B8C-83A1-F6EECF244321}">
+                <p14:modId xmlns:p14="http://schemas.microsoft.com/office/powerpoint/2010/main" val="42848554"/>
+              </p:ext>
+            </p:extLst>
+          </p:nvPr>
+        </p:nvGraphicFramePr>
+        <p:xfrm>
+          <a:off x="2459306" y="1936679"/>
+          <a:ext cx="8361094" cy="4108738"/>
+        </p:xfrm>
+        <a:graphic>
+          <a:graphicData uri="http://schemas.openxmlformats.org/drawingml/2006/table">
+            <a:tbl>
+              <a:tblPr firstRow="1" bandRow="1">
+                <a:tableStyleId>{073A0DAA-6AF3-43AB-8588-CEC1D06C72B9}</a:tableStyleId>
+              </a:tblPr>
+              <a:tblGrid>
+                <a:gridCol w="3237893">
+                  <a:extLst>
+                    <a:ext uri="{9D8B030D-6E8A-4147-A177-3AD203B41FA5}">
+                      <a16:colId xmlns:a16="http://schemas.microsoft.com/office/drawing/2014/main" val="3918524032"/>
+                    </a:ext>
+                  </a:extLst>
+                </a:gridCol>
+                <a:gridCol w="5123201">
+                  <a:extLst>
+                    <a:ext uri="{9D8B030D-6E8A-4147-A177-3AD203B41FA5}">
+                      <a16:colId xmlns:a16="http://schemas.microsoft.com/office/drawing/2014/main" val="2229233814"/>
+                    </a:ext>
+                  </a:extLst>
+                </a:gridCol>
+              </a:tblGrid>
+              <a:tr h="447675">
+                <a:tc>
+                  <a:txBody>
+                    <a:bodyPr/>
+                    <a:lstStyle/>
+                    <a:p>
+                      <a:r>
+                        <a:rPr lang="es-CL" sz="2000"/>
+                        <a:t>Id historia</a:t>
+                      </a:r>
+                    </a:p>
+                  </a:txBody>
+                  <a:tcPr marL="101744" marR="101744" marT="50872" marB="50872"/>
+                </a:tc>
+                <a:tc>
+                  <a:txBody>
+                    <a:bodyPr/>
+                    <a:lstStyle/>
+                    <a:p>
+                      <a:r>
+                        <a:rPr lang="es-CL" sz="2000" dirty="0"/>
+                        <a:t>Estado tarea</a:t>
+                      </a:r>
+                    </a:p>
+                  </a:txBody>
+                  <a:tcPr marL="101744" marR="101744" marT="50872" marB="50872"/>
+                </a:tc>
+                <a:extLst>
+                  <a:ext uri="{0D108BD9-81ED-4DB2-BD59-A6C34878D82A}">
+                    <a16:rowId xmlns:a16="http://schemas.microsoft.com/office/drawing/2014/main" val="4095921825"/>
+                  </a:ext>
+                </a:extLst>
+              </a:tr>
+              <a:tr h="447675">
+                <a:tc>
+                  <a:txBody>
+                    <a:bodyPr/>
+                    <a:lstStyle/>
+                    <a:p>
+                      <a:pPr marL="342900" indent="-342900">
+                        <a:buAutoNum type="arabicPeriod"/>
+                      </a:pPr>
+                      <a:r>
+                        <a:rPr lang="es-ES" sz="2000"/>
+                        <a:t>Login</a:t>
+                      </a:r>
+                      <a:endParaRPr lang="es-CL" sz="2000"/>
+                    </a:p>
+                  </a:txBody>
+                  <a:tcPr marL="80394" marR="80394" marT="40197" marB="40197"/>
+                </a:tc>
+                <a:tc>
+                  <a:txBody>
+                    <a:bodyPr/>
+                    <a:lstStyle/>
+                    <a:p>
+                      <a:r>
+                        <a:rPr lang="es-CL" sz="2000" dirty="0"/>
+                        <a:t>Terminado</a:t>
+                      </a:r>
+                    </a:p>
+                  </a:txBody>
+                  <a:tcPr marL="101744" marR="101744" marT="50872" marB="50872"/>
+                </a:tc>
+                <a:extLst>
+                  <a:ext uri="{0D108BD9-81ED-4DB2-BD59-A6C34878D82A}">
+                    <a16:rowId xmlns:a16="http://schemas.microsoft.com/office/drawing/2014/main" val="2978802645"/>
+                  </a:ext>
+                </a:extLst>
+              </a:tr>
+              <a:tr h="447675">
+                <a:tc>
+                  <a:txBody>
+                    <a:bodyPr/>
+                    <a:lstStyle/>
+                    <a:p>
+                      <a:r>
+                        <a:rPr lang="es-ES" sz="2000"/>
+                        <a:t>2. Buscador</a:t>
+                      </a:r>
+                      <a:endParaRPr lang="es-CL" sz="2000"/>
+                    </a:p>
+                  </a:txBody>
+                  <a:tcPr marL="80394" marR="80394" marT="40197" marB="40197"/>
+                </a:tc>
+                <a:tc>
+                  <a:txBody>
+                    <a:bodyPr/>
+                    <a:lstStyle/>
+                    <a:p>
+                      <a:r>
+                        <a:rPr lang="es-CL" sz="2000" dirty="0"/>
+                        <a:t>Terminado</a:t>
+                      </a:r>
+                    </a:p>
+                  </a:txBody>
+                  <a:tcPr marL="101744" marR="101744" marT="50872" marB="50872"/>
+                </a:tc>
+                <a:extLst>
+                  <a:ext uri="{0D108BD9-81ED-4DB2-BD59-A6C34878D82A}">
+                    <a16:rowId xmlns:a16="http://schemas.microsoft.com/office/drawing/2014/main" val="1918934313"/>
+                  </a:ext>
+                </a:extLst>
+              </a:tr>
+              <a:tr h="447675">
+                <a:tc>
+                  <a:txBody>
+                    <a:bodyPr/>
+                    <a:lstStyle/>
+                    <a:p>
+                      <a:r>
+                        <a:rPr lang="es-ES" sz="2000"/>
+                        <a:t>3. Carrito</a:t>
+                      </a:r>
+                      <a:endParaRPr lang="es-CL" sz="2000"/>
+                    </a:p>
+                  </a:txBody>
+                  <a:tcPr marL="80394" marR="80394" marT="40197" marB="40197"/>
+                </a:tc>
+                <a:tc>
+                  <a:txBody>
+                    <a:bodyPr/>
+                    <a:lstStyle/>
+                    <a:p>
+                      <a:r>
+                        <a:rPr lang="es-CL" sz="2000" dirty="0"/>
+                        <a:t>Terminado, falta validadores </a:t>
+                      </a:r>
+                    </a:p>
+                  </a:txBody>
+                  <a:tcPr marL="101744" marR="101744" marT="50872" marB="50872"/>
+                </a:tc>
+                <a:extLst>
+                  <a:ext uri="{0D108BD9-81ED-4DB2-BD59-A6C34878D82A}">
+                    <a16:rowId xmlns:a16="http://schemas.microsoft.com/office/drawing/2014/main" val="4243948432"/>
+                  </a:ext>
+                </a:extLst>
+              </a:tr>
+              <a:tr h="447675">
+                <a:tc>
+                  <a:txBody>
+                    <a:bodyPr/>
+                    <a:lstStyle/>
+                    <a:p>
+                      <a:r>
+                        <a:rPr lang="es-ES" sz="2000"/>
+                        <a:t>4. Orden de despacho</a:t>
+                      </a:r>
+                      <a:endParaRPr lang="es-CL" sz="2000"/>
+                    </a:p>
+                  </a:txBody>
+                  <a:tcPr marL="80394" marR="80394" marT="40197" marB="40197"/>
+                </a:tc>
+                <a:tc>
+                  <a:txBody>
+                    <a:bodyPr/>
+                    <a:lstStyle/>
+                    <a:p>
+                      <a:r>
+                        <a:rPr lang="es-CL" sz="2000" dirty="0"/>
+                        <a:t>Terminado, falta validar que los campos no sean nulos</a:t>
+                      </a:r>
+                    </a:p>
+                  </a:txBody>
+                  <a:tcPr marL="101744" marR="101744" marT="50872" marB="50872"/>
+                </a:tc>
+                <a:extLst>
+                  <a:ext uri="{0D108BD9-81ED-4DB2-BD59-A6C34878D82A}">
+                    <a16:rowId xmlns:a16="http://schemas.microsoft.com/office/drawing/2014/main" val="2558827302"/>
+                  </a:ext>
+                </a:extLst>
+              </a:tr>
+              <a:tr h="447675">
+                <a:tc>
+                  <a:txBody>
+                    <a:bodyPr/>
+                    <a:lstStyle/>
+                    <a:p>
+                      <a:r>
+                        <a:rPr lang="es-ES" sz="2000"/>
+                        <a:t>5. Productos</a:t>
+                      </a:r>
+                      <a:endParaRPr lang="es-CL" sz="2000"/>
+                    </a:p>
+                  </a:txBody>
+                  <a:tcPr marL="80394" marR="80394" marT="40197" marB="40197"/>
+                </a:tc>
+                <a:tc>
+                  <a:txBody>
+                    <a:bodyPr/>
+                    <a:lstStyle/>
+                    <a:p>
+                      <a:r>
+                        <a:rPr lang="es-CL" sz="2000" dirty="0"/>
+                        <a:t>Terminado</a:t>
+                      </a:r>
+                    </a:p>
+                  </a:txBody>
+                  <a:tcPr marL="101744" marR="101744" marT="50872" marB="50872"/>
+                </a:tc>
+                <a:extLst>
+                  <a:ext uri="{0D108BD9-81ED-4DB2-BD59-A6C34878D82A}">
+                    <a16:rowId xmlns:a16="http://schemas.microsoft.com/office/drawing/2014/main" val="2120911466"/>
+                  </a:ext>
+                </a:extLst>
+              </a:tr>
+              <a:tr h="447675">
+                <a:tc>
+                  <a:txBody>
+                    <a:bodyPr/>
+                    <a:lstStyle/>
+                    <a:p>
+                      <a:r>
+                        <a:rPr lang="es-ES" sz="2000"/>
+                        <a:t>6. Validadores</a:t>
+                      </a:r>
+                      <a:endParaRPr lang="es-CL" sz="2000"/>
+                    </a:p>
+                  </a:txBody>
+                  <a:tcPr marL="80394" marR="80394" marT="40197" marB="40197"/>
+                </a:tc>
+                <a:tc>
+                  <a:txBody>
+                    <a:bodyPr/>
+                    <a:lstStyle/>
+                    <a:p>
+                      <a:r>
+                        <a:rPr lang="es-CL" sz="2000" dirty="0"/>
+                        <a:t>Terminado, solo validadores visuales y algunos funcionales</a:t>
+                      </a:r>
+                    </a:p>
+                  </a:txBody>
+                  <a:tcPr marL="101744" marR="101744" marT="50872" marB="50872"/>
+                </a:tc>
+                <a:extLst>
+                  <a:ext uri="{0D108BD9-81ED-4DB2-BD59-A6C34878D82A}">
+                    <a16:rowId xmlns:a16="http://schemas.microsoft.com/office/drawing/2014/main" val="593494804"/>
+                  </a:ext>
+                </a:extLst>
+              </a:tr>
+              <a:tr h="447675">
+                <a:tc>
+                  <a:txBody>
+                    <a:bodyPr/>
+                    <a:lstStyle/>
+                    <a:p>
+                      <a:r>
+                        <a:rPr lang="es-ES" sz="2000"/>
+                        <a:t>7. Respaldo</a:t>
+                      </a:r>
+                      <a:endParaRPr lang="es-CL" sz="2000"/>
+                    </a:p>
+                  </a:txBody>
+                  <a:tcPr marL="80394" marR="80394" marT="40197" marB="40197"/>
+                </a:tc>
+                <a:tc>
+                  <a:txBody>
+                    <a:bodyPr/>
+                    <a:lstStyle/>
+                    <a:p>
+                      <a:r>
+                        <a:rPr lang="es-CL" sz="2000" dirty="0"/>
+                        <a:t>Terminado</a:t>
+                      </a:r>
+                    </a:p>
+                  </a:txBody>
+                  <a:tcPr marL="101744" marR="101744" marT="50872" marB="50872"/>
+                </a:tc>
+                <a:extLst>
+                  <a:ext uri="{0D108BD9-81ED-4DB2-BD59-A6C34878D82A}">
+                    <a16:rowId xmlns:a16="http://schemas.microsoft.com/office/drawing/2014/main" val="2147888487"/>
+                  </a:ext>
+                </a:extLst>
+              </a:tr>
+            </a:tbl>
+          </a:graphicData>
+        </a:graphic>
+      </p:graphicFrame>
     </p:spTree>
     <p:extLst>
       <p:ext uri="{BB962C8B-B14F-4D97-AF65-F5344CB8AC3E}">
         <p14:creationId xmlns:p14="http://schemas.microsoft.com/office/powerpoint/2010/main" val="3936458169"/>
+      </p:ext>
+    </p:extLst>
+  </p:cSld>
+  <p:clrMapOvr>
+    <a:masterClrMapping/>
+  </p:clrMapOvr>
+</p:sld>
+</file>
+
+<file path=ppt/slides/slide8.xml><?xml version="1.0" encoding="utf-8"?>
+<p:sld xmlns:a="http://schemas.openxmlformats.org/drawingml/2006/main" xmlns:r="http://schemas.openxmlformats.org/officeDocument/2006/relationships" xmlns:p="http://schemas.openxmlformats.org/presentationml/2006/main">
+  <p:cSld>
+    <p:spTree>
+      <p:nvGrpSpPr>
+        <p:cNvPr id="1" name=""/>
+        <p:cNvGrpSpPr/>
+        <p:nvPr/>
+      </p:nvGrpSpPr>
+      <p:grpSpPr>
+        <a:xfrm>
+          <a:off x="0" y="0"/>
+          <a:ext cx="0" cy="0"/>
+          <a:chOff x="0" y="0"/>
+          <a:chExt cx="0" cy="0"/>
+        </a:xfrm>
+      </p:grpSpPr>
+      <p:sp>
+        <p:nvSpPr>
+          <p:cNvPr id="2" name="Título 1">
+            <a:extLst>
+              <a:ext uri="{FF2B5EF4-FFF2-40B4-BE49-F238E27FC236}">
+                <a16:creationId xmlns:a16="http://schemas.microsoft.com/office/drawing/2014/main" id="{BC4734AF-FB34-4288-91B9-6DA8C6B41BE0}"/>
+              </a:ext>
+            </a:extLst>
+          </p:cNvPr>
+          <p:cNvSpPr>
+            <a:spLocks noGrp="1"/>
+          </p:cNvSpPr>
+          <p:nvPr>
+            <p:ph type="title"/>
+          </p:nvPr>
+        </p:nvSpPr>
+        <p:spPr/>
+        <p:txBody>
+          <a:bodyPr/>
+          <a:lstStyle/>
+          <a:p>
+            <a:r>
+              <a:rPr lang="es-ES" dirty="0"/>
+              <a:t>Sprint </a:t>
+            </a:r>
+            <a:r>
+              <a:rPr lang="es-ES" dirty="0" err="1"/>
+              <a:t>retrospective</a:t>
+            </a:r>
+            <a:endParaRPr lang="es-CL" dirty="0"/>
+          </a:p>
+        </p:txBody>
+      </p:sp>
+      <p:sp>
+        <p:nvSpPr>
+          <p:cNvPr id="3" name="Marcador de contenido 2">
+            <a:extLst>
+              <a:ext uri="{FF2B5EF4-FFF2-40B4-BE49-F238E27FC236}">
+                <a16:creationId xmlns:a16="http://schemas.microsoft.com/office/drawing/2014/main" id="{B40A7DFF-83FA-4DE3-AD77-1C0EE99A3142}"/>
+              </a:ext>
+            </a:extLst>
+          </p:cNvPr>
+          <p:cNvSpPr>
+            <a:spLocks noGrp="1"/>
+          </p:cNvSpPr>
+          <p:nvPr>
+            <p:ph idx="1"/>
+          </p:nvPr>
+        </p:nvSpPr>
+        <p:spPr/>
+        <p:txBody>
+          <a:bodyPr/>
+          <a:lstStyle/>
+          <a:p>
+            <a:r>
+              <a:rPr lang="es-CL" dirty="0"/>
+              <a:t>Para siguiente sprint tener en cuenta:</a:t>
+            </a:r>
+          </a:p>
+          <a:p>
+            <a:pPr lvl="1"/>
+            <a:r>
+              <a:rPr lang="es-CL" dirty="0"/>
+              <a:t>Mejorar manejo de tiempo por parte del equipo.</a:t>
+            </a:r>
+          </a:p>
+          <a:p>
+            <a:pPr lvl="1"/>
+            <a:r>
+              <a:rPr lang="es-CL" dirty="0"/>
+              <a:t>Aprender más sobre la tecnología a usar</a:t>
+            </a:r>
+          </a:p>
+          <a:p>
+            <a:pPr lvl="1"/>
+            <a:r>
+              <a:rPr lang="es-CL" dirty="0"/>
+              <a:t>Consultar al equipo ante las dudas</a:t>
+            </a:r>
+          </a:p>
+        </p:txBody>
+      </p:sp>
+      <p:sp>
+        <p:nvSpPr>
+          <p:cNvPr id="4" name="Marcador de número de diapositiva 3">
+            <a:extLst>
+              <a:ext uri="{FF2B5EF4-FFF2-40B4-BE49-F238E27FC236}">
+                <a16:creationId xmlns:a16="http://schemas.microsoft.com/office/drawing/2014/main" id="{9702198F-8231-4A87-990F-314771CD8C07}"/>
+              </a:ext>
+            </a:extLst>
+          </p:cNvPr>
+          <p:cNvSpPr>
+            <a:spLocks noGrp="1"/>
+          </p:cNvSpPr>
+          <p:nvPr>
+            <p:ph type="sldNum" sz="quarter" idx="12"/>
+          </p:nvPr>
+        </p:nvSpPr>
+        <p:spPr/>
+        <p:txBody>
+          <a:bodyPr/>
+          <a:lstStyle/>
+          <a:p>
+            <a:fld id="{8A3F7A52-FBFB-4203-8D53-2E1940E4E04D}" type="slidenum">
+              <a:rPr lang="es-CL" smtClean="0"/>
+              <a:t>8</a:t>
+            </a:fld>
+            <a:endParaRPr lang="es-CL"/>
+          </a:p>
+        </p:txBody>
+      </p:sp>
+      <p:pic>
+        <p:nvPicPr>
+          <p:cNvPr id="5" name="Imagen 4" descr="Interfaz de usuario gráfica&#10;&#10;Descripción generada automáticamente">
+            <a:extLst>
+              <a:ext uri="{FF2B5EF4-FFF2-40B4-BE49-F238E27FC236}">
+                <a16:creationId xmlns:a16="http://schemas.microsoft.com/office/drawing/2014/main" id="{2B1C5716-385F-4070-8B9E-9431193A51DC}"/>
+              </a:ext>
+            </a:extLst>
+          </p:cNvPr>
+          <p:cNvPicPr>
+            <a:picLocks noChangeAspect="1"/>
+          </p:cNvPicPr>
+          <p:nvPr/>
+        </p:nvPicPr>
+        <p:blipFill>
+          <a:blip r:embed="rId2">
+            <a:extLst>
+              <a:ext uri="{28A0092B-C50C-407E-A947-70E740481C1C}">
+                <a14:useLocalDpi xmlns:a14="http://schemas.microsoft.com/office/drawing/2010/main" val="0"/>
+              </a:ext>
+            </a:extLst>
+          </a:blip>
+          <a:stretch>
+            <a:fillRect/>
+          </a:stretch>
+        </p:blipFill>
+        <p:spPr>
+          <a:xfrm>
+            <a:off x="8063992" y="3259723"/>
+            <a:ext cx="3005036" cy="3005036"/>
+          </a:xfrm>
+          <a:prstGeom prst="rect">
+            <a:avLst/>
+          </a:prstGeom>
+        </p:spPr>
+      </p:pic>
+    </p:spTree>
+    <p:extLst>
+      <p:ext uri="{BB962C8B-B14F-4D97-AF65-F5344CB8AC3E}">
+        <p14:creationId xmlns:p14="http://schemas.microsoft.com/office/powerpoint/2010/main" val="2323004987"/>
       </p:ext>
     </p:extLst>
   </p:cSld>
